--- a/Coroutines_25.03.pptx
+++ b/Coroutines_25.03.pptx
@@ -215,7 +215,7 @@
           <a:p>
             <a:fld id="{04348BA2-AD14-41B3-A149-FA03B6F0F3E7}" type="datetimeFigureOut">
               <a:rPr lang="ru-RU" smtClean="0"/>
-              <a:t>13.04.2021</a:t>
+              <a:t>21.04.2021</a:t>
             </a:fld>
             <a:endParaRPr lang="ru-RU"/>
           </a:p>
@@ -709,7 +709,7 @@
           <a:p>
             <a:fld id="{FE0F75FE-9BA7-4184-A2E0-C13B819F5BCA}" type="datetime1">
               <a:rPr lang="ru-RU" smtClean="0"/>
-              <a:t>13.04.2021</a:t>
+              <a:t>21.04.2021</a:t>
             </a:fld>
             <a:endParaRPr lang="ru-RU"/>
           </a:p>
@@ -921,7 +921,7 @@
           <a:p>
             <a:fld id="{204D46B5-6FED-4E9F-91D5-24460BE4D2BA}" type="datetime1">
               <a:rPr lang="ru-RU" smtClean="0"/>
-              <a:t>13.04.2021</a:t>
+              <a:t>21.04.2021</a:t>
             </a:fld>
             <a:endParaRPr lang="ru-RU"/>
           </a:p>
@@ -1181,7 +1181,7 @@
           <a:p>
             <a:fld id="{CD11214D-1D25-4E9A-97B4-6739CF7B81D7}" type="datetime1">
               <a:rPr lang="ru-RU" smtClean="0"/>
-              <a:t>13.04.2021</a:t>
+              <a:t>21.04.2021</a:t>
             </a:fld>
             <a:endParaRPr lang="ru-RU"/>
           </a:p>
@@ -1359,7 +1359,7 @@
           <a:p>
             <a:fld id="{7EADE9D9-9BF1-4594-A912-B1669A33E234}" type="datetime1">
               <a:rPr lang="ru-RU" smtClean="0"/>
-              <a:t>13.04.2021</a:t>
+              <a:t>21.04.2021</a:t>
             </a:fld>
             <a:endParaRPr lang="ru-RU"/>
           </a:p>
@@ -1706,7 +1706,7 @@
           <a:p>
             <a:fld id="{DD20DC4D-F2C8-4980-BD5C-1AE4570DFE79}" type="datetime1">
               <a:rPr lang="ru-RU" smtClean="0"/>
-              <a:t>13.04.2021</a:t>
+              <a:t>21.04.2021</a:t>
             </a:fld>
             <a:endParaRPr lang="ru-RU"/>
           </a:p>
@@ -1985,7 +1985,7 @@
           <a:p>
             <a:fld id="{426E89D1-4FB5-474B-816F-7201C0254CFB}" type="datetime1">
               <a:rPr lang="ru-RU" smtClean="0"/>
-              <a:t>13.04.2021</a:t>
+              <a:t>21.04.2021</a:t>
             </a:fld>
             <a:endParaRPr lang="ru-RU"/>
           </a:p>
@@ -2368,7 +2368,7 @@
           <a:p>
             <a:fld id="{E3618BF1-2016-49D0-A6ED-5A9A2D969E7F}" type="datetime1">
               <a:rPr lang="ru-RU" smtClean="0"/>
-              <a:t>13.04.2021</a:t>
+              <a:t>21.04.2021</a:t>
             </a:fld>
             <a:endParaRPr lang="ru-RU"/>
           </a:p>
@@ -2490,7 +2490,7 @@
           <a:p>
             <a:fld id="{F9D153BD-7D75-4623-B94B-39C026F6F484}" type="datetime1">
               <a:rPr lang="ru-RU" smtClean="0"/>
-              <a:t>13.04.2021</a:t>
+              <a:t>21.04.2021</a:t>
             </a:fld>
             <a:endParaRPr lang="ru-RU"/>
           </a:p>
@@ -2665,7 +2665,7 @@
           <a:p>
             <a:fld id="{B2301463-B803-48EA-88AE-9B9F9F55A1BC}" type="datetime1">
               <a:rPr lang="ru-RU" smtClean="0"/>
-              <a:t>13.04.2021</a:t>
+              <a:t>21.04.2021</a:t>
             </a:fld>
             <a:endParaRPr lang="ru-RU"/>
           </a:p>
@@ -3023,7 +3023,7 @@
           <a:p>
             <a:fld id="{2DABEAEA-20DE-49C5-BF58-10C0AFE555D6}" type="datetime1">
               <a:rPr lang="ru-RU" smtClean="0"/>
-              <a:t>13.04.2021</a:t>
+              <a:t>21.04.2021</a:t>
             </a:fld>
             <a:endParaRPr lang="ru-RU"/>
           </a:p>
@@ -3409,7 +3409,7 @@
           <a:p>
             <a:fld id="{543FC5F8-B1A5-4B68-986A-E3490EF281C0}" type="datetime1">
               <a:rPr lang="ru-RU" smtClean="0"/>
-              <a:t>13.04.2021</a:t>
+              <a:t>21.04.2021</a:t>
             </a:fld>
             <a:endParaRPr lang="ru-RU"/>
           </a:p>
@@ -3700,7 +3700,7 @@
           <a:p>
             <a:fld id="{150633D3-1328-4433-8A13-5D242EE74A2E}" type="datetime1">
               <a:rPr lang="ru-RU" smtClean="0"/>
-              <a:t>13.04.2021</a:t>
+              <a:t>21.04.2021</a:t>
             </a:fld>
             <a:endParaRPr lang="ru-RU"/>
           </a:p>
@@ -8175,7 +8175,7 @@
         </p:nvSpPr>
         <p:spPr>
           <a:xfrm>
-            <a:off x="1097280" y="5634446"/>
+            <a:off x="1674292" y="5517362"/>
             <a:ext cx="8846589" cy="646331"/>
           </a:xfrm>
           <a:prstGeom prst="rect">
@@ -8367,7 +8367,7 @@
                     <a:p>
                       <a:pPr algn="l" fontAlgn="b"/>
                       <a:r>
-                        <a:rPr lang="ru-RU" sz="1400">
+                        <a:rPr lang="ru-RU" sz="1400" dirty="0">
                           <a:solidFill>
                             <a:srgbClr val="000000"/>
                           </a:solidFill>
@@ -8377,7 +8377,7 @@
                         <a:t>Число </a:t>
                       </a:r>
                       <a:r>
-                        <a:rPr lang="ru-RU" sz="1400" smtClean="0">
+                        <a:rPr lang="ru-RU" sz="1400" dirty="0" smtClean="0">
                           <a:solidFill>
                             <a:srgbClr val="000000"/>
                           </a:solidFill>
